--- a/Presentation/LBG-AVDBicep-Day2.pptx
+++ b/Presentation/LBG-AVDBicep-Day2.pptx
@@ -250,7 +250,7 @@
               <a:rPr lang="en-US" smtClean="0">
                 <a:latin typeface="Segoe UI" pitchFamily="34" charset="0"/>
               </a:rPr>
-              <a:t>3/16/2023 9:06 AM</a:t>
+              <a:t>3/16/2023 9:42 AM</a:t>
             </a:fld>
             <a:endParaRPr lang="en-US" dirty="0">
               <a:latin typeface="Segoe UI" pitchFamily="34" charset="0"/>
@@ -528,7 +528,7 @@
           <a:p>
             <a:fld id="{386CE63F-9E7F-4C04-9D0D-FCA25A8E9E86}" type="datetime8">
               <a:rPr lang="en-US" smtClean="0"/>
-              <a:t>3/16/2023 9:06 AM</a:t>
+              <a:t>3/16/2023 9:42 AM</a:t>
             </a:fld>
             <a:endParaRPr lang="en-US" dirty="0"/>
           </a:p>
@@ -895,7 +895,7 @@
           <a:p>
             <a:fld id="{62C61DAB-D93E-49CA-B245-379601CFE8D0}" type="datetime8">
               <a:rPr lang="en-US" smtClean="0"/>
-              <a:t>3/16/2023 9:06 AM</a:t>
+              <a:t>3/16/2023 9:42 AM</a:t>
             </a:fld>
             <a:endParaRPr lang="en-US" dirty="0"/>
           </a:p>
@@ -1060,7 +1060,7 @@
           <a:p>
             <a:fld id="{62C61DAB-D93E-49CA-B245-379601CFE8D0}" type="datetime8">
               <a:rPr lang="en-US" smtClean="0"/>
-              <a:t>3/16/2023 9:06 AM</a:t>
+              <a:t>3/16/2023 9:42 AM</a:t>
             </a:fld>
             <a:endParaRPr lang="en-US" dirty="0"/>
           </a:p>
@@ -55508,8 +55508,8 @@
           <a:lstStyle/>
           <a:p>
             <a:r>
-              <a:rPr lang="en-US" dirty="0"/>
-              <a:t>Lloyds Banking Group</a:t>
+              <a:rPr lang="en-US"/>
+              <a:t>Customer name</a:t>
             </a:r>
             <a:br>
               <a:rPr lang="en-US" dirty="0"/>
@@ -59607,13 +59607,12 @@
 </file>
 
 <file path=customXml/item1.xml><?xml version="1.0" encoding="utf-8"?>
-<p:properties xmlns:p="http://schemas.microsoft.com/office/2006/metadata/properties" xmlns:xsi="http://www.w3.org/2001/XMLSchema-instance" xmlns:pc="http://schemas.microsoft.com/office/infopath/2007/PartnerControls">
-  <documentManagement>
-    <_ip_UnifiedCompliancePolicyUIAction xmlns="http://schemas.microsoft.com/sharepoint/v3" xsi:nil="true"/>
-    <MediaServiceKeyPoints xmlns="492b655a-ec86-4731-b25e-ce4ddeb8f50a" xsi:nil="true"/>
-    <_ip_UnifiedCompliancePolicyProperties xmlns="http://schemas.microsoft.com/sharepoint/v3" xsi:nil="true"/>
-  </documentManagement>
-</p:properties>
+<?mso-contentType ?>
+<FormTemplates xmlns="http://schemas.microsoft.com/sharepoint/v3/contenttype/forms">
+  <Display>DocumentLibraryForm</Display>
+  <Edit>DocumentLibraryForm</Edit>
+  <New>DocumentLibraryForm</New>
+</FormTemplates>
 </file>
 
 <file path=customXml/item2.xml><?xml version="1.0" encoding="utf-8"?>
@@ -59857,21 +59856,19 @@
 </file>
 
 <file path=customXml/item3.xml><?xml version="1.0" encoding="utf-8"?>
-<?mso-contentType ?>
-<FormTemplates xmlns="http://schemas.microsoft.com/sharepoint/v3/contenttype/forms">
-  <Display>DocumentLibraryForm</Display>
-  <Edit>DocumentLibraryForm</Edit>
-  <New>DocumentLibraryForm</New>
-</FormTemplates>
+<p:properties xmlns:p="http://schemas.microsoft.com/office/2006/metadata/properties" xmlns:xsi="http://www.w3.org/2001/XMLSchema-instance" xmlns:pc="http://schemas.microsoft.com/office/infopath/2007/PartnerControls">
+  <documentManagement>
+    <_ip_UnifiedCompliancePolicyUIAction xmlns="http://schemas.microsoft.com/sharepoint/v3" xsi:nil="true"/>
+    <MediaServiceKeyPoints xmlns="492b655a-ec86-4731-b25e-ce4ddeb8f50a" xsi:nil="true"/>
+    <_ip_UnifiedCompliancePolicyProperties xmlns="http://schemas.microsoft.com/sharepoint/v3" xsi:nil="true"/>
+  </documentManagement>
+</p:properties>
 </file>
 
 <file path=customXml/itemProps1.xml><?xml version="1.0" encoding="utf-8"?>
-<ds:datastoreItem xmlns:ds="http://schemas.openxmlformats.org/officeDocument/2006/customXml" ds:itemID="{561B1131-15CA-429C-B875-56F79CD6C674}">
+<ds:datastoreItem xmlns:ds="http://schemas.openxmlformats.org/officeDocument/2006/customXml" ds:itemID="{80773F8E-CD3C-401D-81D0-68F54DCC798C}">
   <ds:schemaRefs>
-    <ds:schemaRef ds:uri="http://schemas.microsoft.com/office/2006/metadata/properties"/>
-    <ds:schemaRef ds:uri="http://schemas.microsoft.com/office/infopath/2007/PartnerControls"/>
-    <ds:schemaRef ds:uri="http://schemas.microsoft.com/sharepoint/v3"/>
-    <ds:schemaRef ds:uri="492b655a-ec86-4731-b25e-ce4ddeb8f50a"/>
+    <ds:schemaRef ds:uri="http://schemas.microsoft.com/sharepoint/v3/contenttype/forms"/>
   </ds:schemaRefs>
 </ds:datastoreItem>
 </file>
@@ -59897,9 +59894,12 @@
 </file>
 
 <file path=customXml/itemProps3.xml><?xml version="1.0" encoding="utf-8"?>
-<ds:datastoreItem xmlns:ds="http://schemas.openxmlformats.org/officeDocument/2006/customXml" ds:itemID="{80773F8E-CD3C-401D-81D0-68F54DCC798C}">
+<ds:datastoreItem xmlns:ds="http://schemas.openxmlformats.org/officeDocument/2006/customXml" ds:itemID="{561B1131-15CA-429C-B875-56F79CD6C674}">
   <ds:schemaRefs>
-    <ds:schemaRef ds:uri="http://schemas.microsoft.com/sharepoint/v3/contenttype/forms"/>
+    <ds:schemaRef ds:uri="http://schemas.microsoft.com/office/2006/metadata/properties"/>
+    <ds:schemaRef ds:uri="http://schemas.microsoft.com/office/infopath/2007/PartnerControls"/>
+    <ds:schemaRef ds:uri="http://schemas.microsoft.com/sharepoint/v3"/>
+    <ds:schemaRef ds:uri="492b655a-ec86-4731-b25e-ce4ddeb8f50a"/>
   </ds:schemaRefs>
 </ds:datastoreItem>
 </file>
